--- a/slides/08_artefact-corrections.pptx
+++ b/slides/08_artefact-corrections.pptx
@@ -369,7 +369,7 @@
           <a:p>
             <a:fld id="{A5B9E9DD-BE87-46D0-98E6-18D835742F3D}" type="datetimeFigureOut">
               <a:rPr lang="en-US" smtClean="0"/>
-              <a:t>11/19/2021</a:t>
+              <a:t>3/10/2022</a:t>
             </a:fld>
             <a:endParaRPr lang="en-US"/>
           </a:p>
@@ -2557,7 +2557,7 @@
                 <a:latin typeface="FiraGO" panose="020B0503050000020004" pitchFamily="34" charset="0"/>
                 <a:cs typeface="FiraGO" panose="020B0503050000020004" pitchFamily="34" charset="0"/>
               </a:rPr>
-              <a:t>2021</a:t>
+              <a:t>2022</a:t>
             </a:fld>
             <a:r>
               <a:rPr lang="en-US" sz="800" dirty="0">
@@ -5441,70 +5441,7 @@
                           <a:ea typeface="Times New Roman" panose="02020603050405020304" pitchFamily="18" charset="0"/>
                           <a:cs typeface="Times New Roman" panose="02020603050405020304" pitchFamily="18" charset="0"/>
                         </a:rPr>
-                        <m:t>=−.</m:t>
-                      </m:r>
-                      <m:r>
-                        <a:rPr lang="en-US" sz="3200" i="1" spc="-20">
-                          <a:effectLst/>
-                          <a:latin typeface="Cambria Math" panose="02040503050406030204" pitchFamily="18" charset="0"/>
-                          <a:ea typeface="Times New Roman" panose="02020603050405020304" pitchFamily="18" charset="0"/>
-                          <a:cs typeface="Times New Roman" panose="02020603050405020304" pitchFamily="18" charset="0"/>
-                        </a:rPr>
-                        <m:t>32</m:t>
-                      </m:r>
-                      <m:r>
-                        <a:rPr lang="en-US" sz="3200" i="1" spc="-20">
-                          <a:effectLst/>
-                          <a:latin typeface="Cambria Math" panose="02040503050406030204" pitchFamily="18" charset="0"/>
-                          <a:ea typeface="Times New Roman" panose="02020603050405020304" pitchFamily="18" charset="0"/>
-                          <a:cs typeface="Times New Roman" panose="02020603050405020304" pitchFamily="18" charset="0"/>
-                        </a:rPr>
-                        <m:t>×.</m:t>
-                      </m:r>
-                      <m:r>
-                        <a:rPr lang="en-US" sz="3200" i="1" spc="-20">
-                          <a:effectLst/>
-                          <a:latin typeface="Cambria Math" panose="02040503050406030204" pitchFamily="18" charset="0"/>
-                          <a:ea typeface="Times New Roman" panose="02020603050405020304" pitchFamily="18" charset="0"/>
-                          <a:cs typeface="Times New Roman" panose="02020603050405020304" pitchFamily="18" charset="0"/>
-                        </a:rPr>
-                        <m:t>89</m:t>
-                      </m:r>
-                      <m:r>
-                        <a:rPr lang="en-US" sz="3200" i="1" spc="-20">
-                          <a:effectLst/>
-                          <a:latin typeface="Cambria Math" panose="02040503050406030204" pitchFamily="18" charset="0"/>
-                          <a:ea typeface="Times New Roman" panose="02020603050405020304" pitchFamily="18" charset="0"/>
-                          <a:cs typeface="Times New Roman" panose="02020603050405020304" pitchFamily="18" charset="0"/>
-                        </a:rPr>
-                        <m:t>×.</m:t>
-                      </m:r>
-                      <m:r>
-                        <a:rPr lang="en-US" sz="3200" i="1" spc="-20">
-                          <a:effectLst/>
-                          <a:latin typeface="Cambria Math" panose="02040503050406030204" pitchFamily="18" charset="0"/>
-                          <a:ea typeface="Times New Roman" panose="02020603050405020304" pitchFamily="18" charset="0"/>
-                          <a:cs typeface="Times New Roman" panose="02020603050405020304" pitchFamily="18" charset="0"/>
-                        </a:rPr>
-                        <m:t>84</m:t>
-                      </m:r>
-                      <m:r>
-                        <a:rPr lang="en-US" sz="3200" i="1" spc="-20">
-                          <a:effectLst/>
-                          <a:latin typeface="Cambria Math" panose="02040503050406030204" pitchFamily="18" charset="0"/>
-                          <a:ea typeface="Times New Roman" panose="02020603050405020304" pitchFamily="18" charset="0"/>
-                          <a:cs typeface="Times New Roman" panose="02020603050405020304" pitchFamily="18" charset="0"/>
-                        </a:rPr>
-                        <m:t>=−.</m:t>
-                      </m:r>
-                      <m:r>
-                        <a:rPr lang="en-US" sz="3200" i="1" spc="-20">
-                          <a:effectLst/>
-                          <a:latin typeface="Cambria Math" panose="02040503050406030204" pitchFamily="18" charset="0"/>
-                          <a:ea typeface="Times New Roman" panose="02020603050405020304" pitchFamily="18" charset="0"/>
-                          <a:cs typeface="Times New Roman" panose="02020603050405020304" pitchFamily="18" charset="0"/>
-                        </a:rPr>
-                        <m:t>24</m:t>
+                        <m:t>=−.32×.89×.84=−.24</m:t>
                       </m:r>
                     </m:oMath>
                   </m:oMathPara>
@@ -10668,6 +10605,19 @@
             <a:pPr marL="0" indent="0">
               <a:buNone/>
             </a:pPr>
+            <a:r>
+              <a:rPr lang="pt-BR" dirty="0">
+                <a:latin typeface="Fira Code" panose="020B0809050000020004" pitchFamily="49" charset="0"/>
+                <a:ea typeface="Fira Code" panose="020B0809050000020004" pitchFamily="49" charset="0"/>
+                <a:cs typeface="Fira Code" panose="020B0809050000020004" pitchFamily="49" charset="0"/>
+              </a:rPr>
+              <a:t>library(psychmeta)</a:t>
+            </a:r>
+          </a:p>
+          <a:p>
+            <a:pPr marL="0" indent="0">
+              <a:buNone/>
+            </a:pPr>
             <a:endParaRPr lang="pt-BR" dirty="0">
               <a:latin typeface="Fira Code" panose="020B0809050000020004" pitchFamily="49" charset="0"/>
               <a:ea typeface="Fira Code" panose="020B0809050000020004" pitchFamily="49" charset="0"/>

--- a/slides/08_artefact-corrections.pptx
+++ b/slides/08_artefact-corrections.pptx
@@ -369,7 +369,7 @@
           <a:p>
             <a:fld id="{A5B9E9DD-BE87-46D0-98E6-18D835742F3D}" type="datetimeFigureOut">
               <a:rPr lang="en-US" smtClean="0"/>
-              <a:t>3/10/2022</a:t>
+              <a:t>3/9/23</a:t>
             </a:fld>
             <a:endParaRPr lang="en-US"/>
           </a:p>
@@ -2557,7 +2557,7 @@
                 <a:latin typeface="FiraGO" panose="020B0503050000020004" pitchFamily="34" charset="0"/>
                 <a:cs typeface="FiraGO" panose="020B0503050000020004" pitchFamily="34" charset="0"/>
               </a:rPr>
-              <a:t>2022</a:t>
+              <a:t>2023</a:t>
             </a:fld>
             <a:r>
               <a:rPr lang="en-US" sz="800" dirty="0">
@@ -5686,7 +5686,7 @@
             </a:pPr>
             <a:r>
               <a:rPr lang="en-US" dirty="0"/>
-              <a:t>Heterogeneity  and moderator analysis</a:t>
+              <a:t>Heterogeneity and moderator analysis</a:t>
             </a:r>
           </a:p>
           <a:p>
@@ -11325,7 +11325,7 @@
                 <a:ea typeface="Fira Code" panose="020B0809050000020004" pitchFamily="49" charset="0"/>
                 <a:cs typeface="Fira Code" panose="020B0809050000020004" pitchFamily="49" charset="0"/>
               </a:rPr>
-              <a:t>“</a:t>
+              <a:t>"</a:t>
             </a:r>
           </a:p>
           <a:p>
